--- a/en/ProgrammingLessons/intermediate/scratch-MyBlocksUpdated.pptx
+++ b/en/ProgrammingLessons/intermediate/scratch-MyBlocksUpdated.pptx
@@ -224,7 +224,7 @@
           <a:p>
             <a:fld id="{E00FA3B4-5499-9244-86B5-B0871A9DDD84}" type="datetimeFigureOut">
               <a:rPr lang="en-US" smtClean="0"/>
-              <a:t>12/25/19</a:t>
+              <a:t>12/27/19</a:t>
             </a:fld>
             <a:endParaRPr lang="en-US"/>
           </a:p>
@@ -390,7 +390,7 @@
           <a:p>
             <a:fld id="{FD3EFF1E-85A1-6640-AFB9-C38833E80A84}" type="datetimeFigureOut">
               <a:rPr lang="en-US" smtClean="0"/>
-              <a:t>12/25/19</a:t>
+              <a:t>12/27/19</a:t>
             </a:fld>
             <a:endParaRPr lang="en-US"/>
           </a:p>
@@ -1015,7 +1015,7 @@
           <a:p>
             <a:fld id="{D1DD320E-57E3-AD42-96B9-8FE87D9E320F}" type="datetime1">
               <a:rPr lang="en-US" smtClean="0"/>
-              <a:t>12/25/19</a:t>
+              <a:t>12/27/19</a:t>
             </a:fld>
             <a:endParaRPr lang="en-US"/>
           </a:p>
@@ -1213,7 +1213,7 @@
           <a:noFill/>
           <a:extLst>
             <a:ext uri="{909E8E84-426E-40dd-AFC4-6F175D3DCCD1}">
-              <a14:hiddenFill xmlns="" xmlns:a14="http://schemas.microsoft.com/office/drawing/2010/main">
+              <a14:hiddenFill xmlns:a14="http://schemas.microsoft.com/office/drawing/2010/main" xmlns="">
                 <a:solidFill>
                   <a:srgbClr val="FFFFFF"/>
                 </a:solidFill>
@@ -1344,7 +1344,7 @@
           <a:p>
             <a:fld id="{3D9ED88F-F7BA-9545-833A-4D273DF59680}" type="datetime1">
               <a:rPr lang="en-US" smtClean="0"/>
-              <a:t>12/25/19</a:t>
+              <a:t>12/27/19</a:t>
             </a:fld>
             <a:endParaRPr lang="en-US"/>
           </a:p>
@@ -1604,7 +1604,7 @@
           <a:p>
             <a:fld id="{051FFD15-6FCC-DE40-AF8B-8DB41482EBE1}" type="datetime1">
               <a:rPr lang="en-US" smtClean="0"/>
-              <a:t>12/25/19</a:t>
+              <a:t>12/27/19</a:t>
             </a:fld>
             <a:endParaRPr lang="en-US"/>
           </a:p>
@@ -1859,7 +1859,7 @@
           <a:p>
             <a:fld id="{B5FF352E-0E20-7C40-96DA-9159F759587E}" type="datetime1">
               <a:rPr lang="en-US" smtClean="0"/>
-              <a:t>12/25/19</a:t>
+              <a:t>12/27/19</a:t>
             </a:fld>
             <a:endParaRPr lang="en-US"/>
           </a:p>
@@ -2293,7 +2293,7 @@
           <a:p>
             <a:fld id="{D6B1D6F9-FC5B-6E46-AF84-A94360E717EF}" type="datetime1">
               <a:rPr lang="en-US" smtClean="0"/>
-              <a:t>12/25/19</a:t>
+              <a:t>12/27/19</a:t>
             </a:fld>
             <a:endParaRPr lang="en-US"/>
           </a:p>
@@ -2640,7 +2640,7 @@
           <a:p>
             <a:fld id="{336B93F2-111D-9440-94DC-C95E276C9871}" type="datetime1">
               <a:rPr lang="en-US" smtClean="0"/>
-              <a:t>12/25/19</a:t>
+              <a:t>12/27/19</a:t>
             </a:fld>
             <a:endParaRPr lang="en-US"/>
           </a:p>
@@ -2919,7 +2919,7 @@
           <a:p>
             <a:fld id="{01895680-88B6-394D-9AF5-D866AC5CE244}" type="datetime1">
               <a:rPr lang="en-US" smtClean="0"/>
-              <a:t>12/25/19</a:t>
+              <a:t>12/27/19</a:t>
             </a:fld>
             <a:endParaRPr lang="en-US"/>
           </a:p>
@@ -3302,7 +3302,7 @@
           <a:p>
             <a:fld id="{85026D07-4A28-5A4B-8157-B270CB09CC99}" type="datetime1">
               <a:rPr lang="en-US" smtClean="0"/>
-              <a:t>12/25/19</a:t>
+              <a:t>12/27/19</a:t>
             </a:fld>
             <a:endParaRPr lang="en-US"/>
           </a:p>
@@ -3424,7 +3424,7 @@
           <a:p>
             <a:fld id="{C57D46D6-A3F3-E246-BDB1-93E9E1E15F19}" type="datetime1">
               <a:rPr lang="en-US" smtClean="0"/>
-              <a:t>12/25/19</a:t>
+              <a:t>12/27/19</a:t>
             </a:fld>
             <a:endParaRPr lang="en-US"/>
           </a:p>
@@ -3599,7 +3599,7 @@
           <a:p>
             <a:fld id="{175D481D-5FFA-8944-A5EC-6C2BE21186EC}" type="datetime1">
               <a:rPr lang="en-US" smtClean="0"/>
-              <a:t>12/25/19</a:t>
+              <a:t>12/27/19</a:t>
             </a:fld>
             <a:endParaRPr lang="en-US"/>
           </a:p>
@@ -3957,7 +3957,7 @@
           <a:p>
             <a:fld id="{D747B6F8-48AF-C44E-9AD7-0B8B50B98EAB}" type="datetime1">
               <a:rPr lang="en-US" smtClean="0"/>
-              <a:t>12/25/19</a:t>
+              <a:t>12/27/19</a:t>
             </a:fld>
             <a:endParaRPr lang="en-US"/>
           </a:p>
@@ -4152,7 +4152,7 @@
           <a:p>
             <a:fld id="{BB853D19-0D70-664A-AC36-2FBF0AE86AB7}" type="datetime1">
               <a:rPr lang="en-US" smtClean="0"/>
-              <a:t>12/25/19</a:t>
+              <a:t>12/27/19</a:t>
             </a:fld>
             <a:endParaRPr lang="en-US"/>
           </a:p>
@@ -4517,7 +4517,7 @@
           <a:p>
             <a:fld id="{34BA732C-D1FC-9340-BF50-5446FF6F4B32}" type="datetime1">
               <a:rPr lang="en-US" smtClean="0"/>
-              <a:t>12/25/19</a:t>
+              <a:t>12/27/19</a:t>
             </a:fld>
             <a:endParaRPr lang="en-US"/>
           </a:p>
@@ -4691,7 +4691,7 @@
           <a:p>
             <a:fld id="{BDEA3CF0-BA06-5F42-9ADE-994F193E8A9E}" type="datetime1">
               <a:rPr lang="en-US" smtClean="0"/>
-              <a:t>12/25/19</a:t>
+              <a:t>12/27/19</a:t>
             </a:fld>
             <a:endParaRPr lang="en-US"/>
           </a:p>
@@ -4951,7 +4951,7 @@
           <a:p>
             <a:fld id="{0AD704B6-CDDC-EB4A-B3B6-EE2050FCA1E4}" type="datetime1">
               <a:rPr lang="en-US" smtClean="0"/>
-              <a:t>12/25/19</a:t>
+              <a:t>12/27/19</a:t>
             </a:fld>
             <a:endParaRPr lang="en-US"/>
           </a:p>
@@ -5298,7 +5298,7 @@
           <a:p>
             <a:fld id="{67A57BB7-E039-3740-89B1-ACD9AA632F73}" type="datetime1">
               <a:rPr lang="en-US" smtClean="0"/>
-              <a:t>12/25/19</a:t>
+              <a:t>12/27/19</a:t>
             </a:fld>
             <a:endParaRPr lang="en-US"/>
           </a:p>
@@ -5577,7 +5577,7 @@
           <a:p>
             <a:fld id="{52124C5D-FB3A-644F-9248-43148AD88399}" type="datetime1">
               <a:rPr lang="en-US" smtClean="0"/>
-              <a:t>12/25/19</a:t>
+              <a:t>12/27/19</a:t>
             </a:fld>
             <a:endParaRPr lang="en-US"/>
           </a:p>
@@ -5960,7 +5960,7 @@
           <a:p>
             <a:fld id="{6D056692-F73E-0A4D-9D74-E7A345F3FB6A}" type="datetime1">
               <a:rPr lang="en-US" smtClean="0"/>
-              <a:t>12/25/19</a:t>
+              <a:t>12/27/19</a:t>
             </a:fld>
             <a:endParaRPr lang="en-US"/>
           </a:p>
@@ -6082,7 +6082,7 @@
           <a:p>
             <a:fld id="{1B3B5153-D72C-2B40-B408-C81E428F0F20}" type="datetime1">
               <a:rPr lang="en-US" smtClean="0"/>
-              <a:t>12/25/19</a:t>
+              <a:t>12/27/19</a:t>
             </a:fld>
             <a:endParaRPr lang="en-US"/>
           </a:p>
@@ -6257,7 +6257,7 @@
           <a:p>
             <a:fld id="{2B1D0786-6E80-F846-9A86-2C5CE771ACF8}" type="datetime1">
               <a:rPr lang="en-US" smtClean="0"/>
-              <a:t>12/25/19</a:t>
+              <a:t>12/27/19</a:t>
             </a:fld>
             <a:endParaRPr lang="en-US"/>
           </a:p>
@@ -6615,7 +6615,7 @@
           <a:p>
             <a:fld id="{B38A146C-7140-2046-9D6C-B918773F1B8F}" type="datetime1">
               <a:rPr lang="en-US" smtClean="0"/>
-              <a:t>12/25/19</a:t>
+              <a:t>12/27/19</a:t>
             </a:fld>
             <a:endParaRPr lang="en-US"/>
           </a:p>
@@ -7001,7 +7001,7 @@
           <a:p>
             <a:fld id="{19BE3EFF-2A7E-0E45-8FB9-D33E340902A2}" type="datetime1">
               <a:rPr lang="en-US" smtClean="0"/>
-              <a:t>12/25/19</a:t>
+              <a:t>12/27/19</a:t>
             </a:fld>
             <a:endParaRPr lang="en-US"/>
           </a:p>
@@ -7294,7 +7294,7 @@
           <a:p>
             <a:fld id="{5F8266C2-7DC8-8C40-982C-0285DF847152}" type="datetime1">
               <a:rPr lang="en-US" smtClean="0"/>
-              <a:t>12/25/19</a:t>
+              <a:t>12/27/19</a:t>
             </a:fld>
             <a:endParaRPr lang="en-US" dirty="0"/>
           </a:p>
@@ -8072,7 +8072,7 @@
           <a:p>
             <a:fld id="{21A019A8-3E37-8E45-B9C9-97C88693FAD6}" type="datetime1">
               <a:rPr lang="en-US" smtClean="0"/>
-              <a:t>12/25/19</a:t>
+              <a:t>12/27/19</a:t>
             </a:fld>
             <a:endParaRPr lang="en-US" dirty="0"/>
           </a:p>
@@ -13008,8 +13008,12 @@
               <a:buChar char="•"/>
             </a:pPr>
             <a:r>
-              <a:rPr lang="en-US" dirty="0"/>
-              <a:t>Note: the My Block can only be used inside one project</a:t>
+              <a:rPr lang="en-US" dirty="0">
+                <a:solidFill>
+                  <a:srgbClr val="FF0000"/>
+                </a:solidFill>
+              </a:rPr>
+              <a:t>Note: the My Block in EV3 Classroom can only be used inside one project</a:t>
             </a:r>
           </a:p>
         </p:txBody>
